--- a/static/images/git-dvc/repo_net.pptx
+++ b/static/images/git-dvc/repo_net.pptx
@@ -288,7 +288,7 @@
           <a:p>
             <a:fld id="{700A4F2F-7D95-4277-B030-3ABD5ADD5A19}" type="datetimeFigureOut">
               <a:rPr kumimoji="1" lang="ja-JP" altLang="en-US" smtClean="0"/>
-              <a:t>2015/12/29</a:t>
+              <a:t>2016/4/17</a:t>
             </a:fld>
             <a:endParaRPr kumimoji="1" lang="ja-JP" altLang="en-US"/>
           </a:p>
@@ -490,7 +490,7 @@
           <a:p>
             <a:fld id="{700A4F2F-7D95-4277-B030-3ABD5ADD5A19}" type="datetimeFigureOut">
               <a:rPr kumimoji="1" lang="ja-JP" altLang="en-US" smtClean="0"/>
-              <a:t>2015/12/29</a:t>
+              <a:t>2016/4/17</a:t>
             </a:fld>
             <a:endParaRPr kumimoji="1" lang="ja-JP" altLang="en-US"/>
           </a:p>
@@ -702,7 +702,7 @@
           <a:p>
             <a:fld id="{700A4F2F-7D95-4277-B030-3ABD5ADD5A19}" type="datetimeFigureOut">
               <a:rPr kumimoji="1" lang="ja-JP" altLang="en-US" smtClean="0"/>
-              <a:t>2015/12/29</a:t>
+              <a:t>2016/4/17</a:t>
             </a:fld>
             <a:endParaRPr kumimoji="1" lang="ja-JP" altLang="en-US"/>
           </a:p>
@@ -904,7 +904,7 @@
           <a:p>
             <a:fld id="{700A4F2F-7D95-4277-B030-3ABD5ADD5A19}" type="datetimeFigureOut">
               <a:rPr kumimoji="1" lang="ja-JP" altLang="en-US" smtClean="0"/>
-              <a:t>2015/12/29</a:t>
+              <a:t>2016/4/17</a:t>
             </a:fld>
             <a:endParaRPr kumimoji="1" lang="ja-JP" altLang="en-US"/>
           </a:p>
@@ -1150,7 +1150,7 @@
           <a:p>
             <a:fld id="{700A4F2F-7D95-4277-B030-3ABD5ADD5A19}" type="datetimeFigureOut">
               <a:rPr kumimoji="1" lang="ja-JP" altLang="en-US" smtClean="0"/>
-              <a:t>2015/12/29</a:t>
+              <a:t>2016/4/17</a:t>
             </a:fld>
             <a:endParaRPr kumimoji="1" lang="ja-JP" altLang="en-US"/>
           </a:p>
@@ -1502,7 +1502,7 @@
           <a:p>
             <a:fld id="{700A4F2F-7D95-4277-B030-3ABD5ADD5A19}" type="datetimeFigureOut">
               <a:rPr kumimoji="1" lang="ja-JP" altLang="en-US" smtClean="0"/>
-              <a:t>2015/12/29</a:t>
+              <a:t>2016/4/17</a:t>
             </a:fld>
             <a:endParaRPr kumimoji="1" lang="ja-JP" altLang="en-US"/>
           </a:p>
@@ -1988,7 +1988,7 @@
           <a:p>
             <a:fld id="{700A4F2F-7D95-4277-B030-3ABD5ADD5A19}" type="datetimeFigureOut">
               <a:rPr kumimoji="1" lang="ja-JP" altLang="en-US" smtClean="0"/>
-              <a:t>2015/12/29</a:t>
+              <a:t>2016/4/17</a:t>
             </a:fld>
             <a:endParaRPr kumimoji="1" lang="ja-JP" altLang="en-US"/>
           </a:p>
@@ -2106,7 +2106,7 @@
           <a:p>
             <a:fld id="{700A4F2F-7D95-4277-B030-3ABD5ADD5A19}" type="datetimeFigureOut">
               <a:rPr kumimoji="1" lang="ja-JP" altLang="en-US" smtClean="0"/>
-              <a:t>2015/12/29</a:t>
+              <a:t>2016/4/17</a:t>
             </a:fld>
             <a:endParaRPr kumimoji="1" lang="ja-JP" altLang="en-US"/>
           </a:p>
@@ -2201,7 +2201,7 @@
           <a:p>
             <a:fld id="{700A4F2F-7D95-4277-B030-3ABD5ADD5A19}" type="datetimeFigureOut">
               <a:rPr kumimoji="1" lang="ja-JP" altLang="en-US" smtClean="0"/>
-              <a:t>2015/12/29</a:t>
+              <a:t>2016/4/17</a:t>
             </a:fld>
             <a:endParaRPr kumimoji="1" lang="ja-JP" altLang="en-US"/>
           </a:p>
@@ -2510,7 +2510,7 @@
           <a:p>
             <a:fld id="{700A4F2F-7D95-4277-B030-3ABD5ADD5A19}" type="datetimeFigureOut">
               <a:rPr kumimoji="1" lang="ja-JP" altLang="en-US" smtClean="0"/>
-              <a:t>2015/12/29</a:t>
+              <a:t>2016/4/17</a:t>
             </a:fld>
             <a:endParaRPr kumimoji="1" lang="ja-JP" altLang="en-US"/>
           </a:p>
@@ -2763,7 +2763,7 @@
           <a:p>
             <a:fld id="{700A4F2F-7D95-4277-B030-3ABD5ADD5A19}" type="datetimeFigureOut">
               <a:rPr kumimoji="1" lang="ja-JP" altLang="en-US" smtClean="0"/>
-              <a:t>2015/12/29</a:t>
+              <a:t>2016/4/17</a:t>
             </a:fld>
             <a:endParaRPr kumimoji="1" lang="ja-JP" altLang="en-US"/>
           </a:p>
@@ -3008,7 +3008,7 @@
           <a:p>
             <a:fld id="{700A4F2F-7D95-4277-B030-3ABD5ADD5A19}" type="datetimeFigureOut">
               <a:rPr kumimoji="1" lang="ja-JP" altLang="en-US" smtClean="0"/>
-              <a:t>2015/12/29</a:t>
+              <a:t>2016/4/17</a:t>
             </a:fld>
             <a:endParaRPr kumimoji="1" lang="ja-JP" altLang="en-US"/>
           </a:p>
@@ -3391,37 +3391,47 @@
         </p:nvSpPr>
         <p:spPr>
           <a:xfrm>
-            <a:off x="3974085" y="1264791"/>
-            <a:ext cx="988678" cy="724049"/>
+            <a:off x="3974085" y="1264790"/>
+            <a:ext cx="988678" cy="720000"/>
           </a:xfrm>
           <a:prstGeom prst="flowChartMagneticDisk">
             <a:avLst/>
           </a:prstGeom>
+          <a:ln>
+            <a:solidFill>
+              <a:schemeClr val="bg1"/>
+            </a:solidFill>
+            <a:prstDash val="solid"/>
+          </a:ln>
         </p:spPr>
         <p:style>
-          <a:lnRef idx="1">
-            <a:schemeClr val="accent1"/>
+          <a:lnRef idx="2">
+            <a:schemeClr val="accent5">
+              <a:shade val="50000"/>
+            </a:schemeClr>
           </a:lnRef>
-          <a:fillRef idx="2">
-            <a:schemeClr val="accent1"/>
+          <a:fillRef idx="1">
+            <a:schemeClr val="accent5"/>
           </a:fillRef>
-          <a:effectRef idx="1">
-            <a:schemeClr val="accent1"/>
+          <a:effectRef idx="0">
+            <a:schemeClr val="accent5"/>
           </a:effectRef>
           <a:fontRef idx="minor">
-            <a:schemeClr val="dk1"/>
+            <a:schemeClr val="lt1"/>
           </a:fontRef>
         </p:style>
         <p:txBody>
-          <a:bodyPr rtlCol="0" anchor="ctr"/>
-          <a:lstStyle/>
-          <a:p>
-            <a:pPr algn="ctr"/>
-            <a:r>
-              <a:rPr kumimoji="1" lang="ja-JP" altLang="en-US" sz="1200" dirty="0" smtClean="0"/>
+          <a:bodyPr lIns="91429" tIns="45715" rIns="91429" bIns="45715" rtlCol="0" anchor="ctr"/>
+          <a:lstStyle/>
+          <a:p>
+            <a:pPr algn="ctr" defTabSz="914295"/>
+            <a:r>
+              <a:rPr lang="ja-JP" altLang="en-US" sz="1600" b="1" dirty="0">
+                <a:latin typeface="ＭＳ ゴシック" panose="020B0609070205080204" pitchFamily="49" charset="-128"/>
+                <a:ea typeface="ＭＳ ゴシック" panose="020B0609070205080204" pitchFamily="49" charset="-128"/>
+              </a:rPr>
               <a:t>マスタ</a:t>
             </a:r>
-            <a:endParaRPr kumimoji="1" lang="ja-JP" altLang="en-US" sz="1200" dirty="0"/>
           </a:p>
         </p:txBody>
       </p:sp>
@@ -3433,45 +3443,78 @@
         </p:nvSpPr>
         <p:spPr>
           <a:xfrm>
-            <a:off x="3974085" y="2348880"/>
-            <a:ext cx="988678" cy="724049"/>
+            <a:off x="3974085" y="2348879"/>
+            <a:ext cx="988678" cy="720000"/>
           </a:xfrm>
           <a:prstGeom prst="flowChartMagneticDisk">
             <a:avLst/>
           </a:prstGeom>
+          <a:ln>
+            <a:solidFill>
+              <a:schemeClr val="bg1"/>
+            </a:solidFill>
+            <a:prstDash val="solid"/>
+          </a:ln>
         </p:spPr>
         <p:style>
-          <a:lnRef idx="1">
-            <a:schemeClr val="accent1"/>
+          <a:lnRef idx="2">
+            <a:schemeClr val="accent5">
+              <a:shade val="50000"/>
+            </a:schemeClr>
           </a:lnRef>
-          <a:fillRef idx="2">
-            <a:schemeClr val="accent1"/>
+          <a:fillRef idx="1">
+            <a:schemeClr val="accent5"/>
           </a:fillRef>
-          <a:effectRef idx="1">
-            <a:schemeClr val="accent1"/>
+          <a:effectRef idx="0">
+            <a:schemeClr val="accent5"/>
           </a:effectRef>
           <a:fontRef idx="minor">
-            <a:schemeClr val="dk1"/>
+            <a:schemeClr val="lt1"/>
           </a:fontRef>
         </p:style>
         <p:txBody>
-          <a:bodyPr rtlCol="0" anchor="ctr"/>
-          <a:lstStyle/>
-          <a:p>
-            <a:pPr algn="ctr"/>
-            <a:r>
-              <a:rPr kumimoji="1" lang="ja-JP" altLang="en-US" sz="1200" dirty="0" smtClean="0"/>
+          <a:bodyPr lIns="91429" tIns="108000" rIns="91429" bIns="0" rtlCol="0" anchor="ctr"/>
+          <a:lstStyle/>
+          <a:p>
+            <a:pPr algn="ctr" defTabSz="914295">
+              <a:lnSpc>
+                <a:spcPts val="1600"/>
+              </a:lnSpc>
+            </a:pPr>
+            <a:r>
+              <a:rPr lang="ja-JP" altLang="en-US" sz="1600" b="1" dirty="0">
+                <a:solidFill>
+                  <a:schemeClr val="lt1"/>
+                </a:solidFill>
+                <a:latin typeface="ＭＳ ゴシック" panose="020B0609070205080204" pitchFamily="49" charset="-128"/>
+                <a:ea typeface="ＭＳ ゴシック" panose="020B0609070205080204" pitchFamily="49" charset="-128"/>
+              </a:rPr>
               <a:t>マスタ</a:t>
             </a:r>
-            <a:endParaRPr kumimoji="1" lang="en-US" altLang="ja-JP" sz="1200" dirty="0" smtClean="0"/>
-          </a:p>
-          <a:p>
-            <a:pPr algn="ctr"/>
-            <a:r>
-              <a:rPr kumimoji="1" lang="ja-JP" altLang="en-US" sz="1200" dirty="0" smtClean="0"/>
+            <a:endParaRPr lang="en-US" altLang="ja-JP" sz="1600" b="1" dirty="0">
+              <a:solidFill>
+                <a:schemeClr val="lt1"/>
+              </a:solidFill>
+              <a:latin typeface="ＭＳ ゴシック" panose="020B0609070205080204" pitchFamily="49" charset="-128"/>
+              <a:ea typeface="ＭＳ ゴシック" panose="020B0609070205080204" pitchFamily="49" charset="-128"/>
+            </a:endParaRPr>
+          </a:p>
+          <a:p>
+            <a:pPr algn="ctr" defTabSz="914295">
+              <a:lnSpc>
+                <a:spcPts val="1600"/>
+              </a:lnSpc>
+            </a:pPr>
+            <a:r>
+              <a:rPr lang="ja-JP" altLang="en-US" sz="1600" b="1" dirty="0">
+                <a:solidFill>
+                  <a:schemeClr val="lt1"/>
+                </a:solidFill>
+                <a:latin typeface="ＭＳ ゴシック" panose="020B0609070205080204" pitchFamily="49" charset="-128"/>
+                <a:ea typeface="ＭＳ ゴシック" panose="020B0609070205080204" pitchFamily="49" charset="-128"/>
+              </a:rPr>
               <a:t>更新用</a:t>
             </a:r>
-            <a:endParaRPr kumimoji="1" lang="ja-JP" altLang="en-US" sz="1200" dirty="0"/>
           </a:p>
         </p:txBody>
       </p:sp>
@@ -3486,13 +3529,17 @@
         </p:nvCxnSpPr>
         <p:spPr>
           <a:xfrm flipV="1">
-            <a:off x="4468424" y="1988840"/>
-            <a:ext cx="0" cy="360040"/>
+            <a:off x="4468424" y="1984790"/>
+            <a:ext cx="0" cy="364089"/>
           </a:xfrm>
           <a:prstGeom prst="straightConnector1">
             <a:avLst/>
           </a:prstGeom>
-          <a:ln>
+          <a:ln w="31750">
+            <a:solidFill>
+              <a:schemeClr val="tx1"/>
+            </a:solidFill>
+            <a:prstDash val="sysDot"/>
             <a:tailEnd type="triangle" w="lg" len="med"/>
           </a:ln>
         </p:spPr>
@@ -3519,41 +3566,59 @@
         </p:nvSpPr>
         <p:spPr>
           <a:xfrm>
-            <a:off x="5796136" y="3136999"/>
-            <a:ext cx="988678" cy="724049"/>
+            <a:off x="5796136" y="3136998"/>
+            <a:ext cx="988678" cy="720000"/>
           </a:xfrm>
           <a:prstGeom prst="flowChartMagneticDisk">
             <a:avLst/>
           </a:prstGeom>
+          <a:ln>
+            <a:solidFill>
+              <a:schemeClr val="bg1"/>
+            </a:solidFill>
+            <a:prstDash val="solid"/>
+          </a:ln>
         </p:spPr>
         <p:style>
-          <a:lnRef idx="1">
-            <a:schemeClr val="accent1"/>
+          <a:lnRef idx="2">
+            <a:schemeClr val="accent5">
+              <a:shade val="50000"/>
+            </a:schemeClr>
           </a:lnRef>
-          <a:fillRef idx="2">
-            <a:schemeClr val="accent1"/>
+          <a:fillRef idx="1">
+            <a:schemeClr val="accent5"/>
           </a:fillRef>
-          <a:effectRef idx="1">
-            <a:schemeClr val="accent1"/>
+          <a:effectRef idx="0">
+            <a:schemeClr val="accent5"/>
           </a:effectRef>
           <a:fontRef idx="minor">
-            <a:schemeClr val="dk1"/>
+            <a:schemeClr val="lt1"/>
           </a:fontRef>
         </p:style>
         <p:txBody>
-          <a:bodyPr rtlCol="0" anchor="ctr"/>
-          <a:lstStyle/>
-          <a:p>
-            <a:pPr algn="ctr"/>
-            <a:r>
-              <a:rPr lang="ja-JP" altLang="en-US" sz="1200" dirty="0" smtClean="0"/>
+          <a:bodyPr lIns="91429" tIns="45715" rIns="91429" bIns="45715" rtlCol="0" anchor="ctr"/>
+          <a:lstStyle/>
+          <a:p>
+            <a:pPr algn="ctr" defTabSz="914295"/>
+            <a:r>
+              <a:rPr lang="ja-JP" altLang="en-US" sz="1600" b="1" dirty="0">
+                <a:solidFill>
+                  <a:schemeClr val="lt1"/>
+                </a:solidFill>
+                <a:latin typeface="ＭＳ ゴシック" panose="020B0609070205080204" pitchFamily="49" charset="-128"/>
+                <a:ea typeface="ＭＳ ゴシック" panose="020B0609070205080204" pitchFamily="49" charset="-128"/>
+              </a:rPr>
               <a:t>開発者</a:t>
             </a:r>
             <a:r>
-              <a:rPr lang="en-US" altLang="ja-JP" sz="1200" dirty="0" smtClean="0"/>
+              <a:rPr lang="en-US" altLang="ja-JP" sz="1600" b="1" dirty="0">
+                <a:solidFill>
+                  <a:schemeClr val="lt1"/>
+                </a:solidFill>
+                <a:ea typeface="ＭＳ ゴシック" panose="020B0609070205080204" pitchFamily="49" charset="-128"/>
+              </a:rPr>
               <a:t>B</a:t>
             </a:r>
-            <a:endParaRPr kumimoji="1" lang="en-US" altLang="ja-JP" sz="1200" dirty="0" smtClean="0"/>
           </a:p>
         </p:txBody>
       </p:sp>
@@ -3568,13 +3633,17 @@
         </p:nvCxnSpPr>
         <p:spPr>
           <a:xfrm flipH="1" flipV="1">
-            <a:off x="4962763" y="2710905"/>
-            <a:ext cx="1327712" cy="426094"/>
+            <a:off x="4962763" y="2708879"/>
+            <a:ext cx="1327712" cy="428119"/>
           </a:xfrm>
           <a:prstGeom prst="straightConnector1">
             <a:avLst/>
           </a:prstGeom>
-          <a:ln>
+          <a:ln w="31750">
+            <a:solidFill>
+              <a:schemeClr val="tx1"/>
+            </a:solidFill>
+            <a:prstDash val="sysDot"/>
             <a:tailEnd type="triangle" w="lg" len="med"/>
           </a:ln>
         </p:spPr>
@@ -3601,41 +3670,59 @@
         </p:nvSpPr>
         <p:spPr>
           <a:xfrm>
-            <a:off x="5796136" y="4154684"/>
-            <a:ext cx="988678" cy="724049"/>
+            <a:off x="5796136" y="4154683"/>
+            <a:ext cx="988678" cy="720000"/>
           </a:xfrm>
           <a:prstGeom prst="flowChartMagneticDisk">
             <a:avLst/>
           </a:prstGeom>
+          <a:ln>
+            <a:solidFill>
+              <a:schemeClr val="bg1"/>
+            </a:solidFill>
+            <a:prstDash val="solid"/>
+          </a:ln>
         </p:spPr>
         <p:style>
-          <a:lnRef idx="1">
-            <a:schemeClr val="accent1"/>
+          <a:lnRef idx="2">
+            <a:schemeClr val="accent5">
+              <a:shade val="50000"/>
+            </a:schemeClr>
           </a:lnRef>
-          <a:fillRef idx="2">
-            <a:schemeClr val="accent1"/>
+          <a:fillRef idx="1">
+            <a:schemeClr val="accent5"/>
           </a:fillRef>
-          <a:effectRef idx="1">
-            <a:schemeClr val="accent1"/>
+          <a:effectRef idx="0">
+            <a:schemeClr val="accent5"/>
           </a:effectRef>
           <a:fontRef idx="minor">
-            <a:schemeClr val="dk1"/>
+            <a:schemeClr val="lt1"/>
           </a:fontRef>
         </p:style>
         <p:txBody>
-          <a:bodyPr rtlCol="0" anchor="ctr"/>
-          <a:lstStyle/>
-          <a:p>
-            <a:pPr algn="ctr"/>
-            <a:r>
-              <a:rPr lang="ja-JP" altLang="en-US" sz="1200" dirty="0" smtClean="0"/>
+          <a:bodyPr lIns="91429" tIns="45715" rIns="91429" bIns="45715" rtlCol="0" anchor="ctr"/>
+          <a:lstStyle/>
+          <a:p>
+            <a:pPr algn="ctr" defTabSz="914295"/>
+            <a:r>
+              <a:rPr lang="ja-JP" altLang="en-US" sz="1600" b="1" dirty="0">
+                <a:solidFill>
+                  <a:schemeClr val="lt1"/>
+                </a:solidFill>
+                <a:latin typeface="ＭＳ ゴシック" panose="020B0609070205080204" pitchFamily="49" charset="-128"/>
+                <a:ea typeface="ＭＳ ゴシック" panose="020B0609070205080204" pitchFamily="49" charset="-128"/>
+              </a:rPr>
               <a:t>開発者</a:t>
             </a:r>
             <a:r>
-              <a:rPr lang="en-US" altLang="ja-JP" sz="1200" dirty="0" smtClean="0"/>
+              <a:rPr lang="en-US" altLang="ja-JP" sz="1600" b="1" dirty="0">
+                <a:solidFill>
+                  <a:schemeClr val="lt1"/>
+                </a:solidFill>
+                <a:ea typeface="ＭＳ ゴシック" panose="020B0609070205080204" pitchFamily="49" charset="-128"/>
+              </a:rPr>
               <a:t>D</a:t>
             </a:r>
-            <a:endParaRPr kumimoji="1" lang="en-US" altLang="ja-JP" sz="1200" dirty="0" smtClean="0"/>
           </a:p>
         </p:txBody>
       </p:sp>
@@ -3647,41 +3734,59 @@
         </p:nvSpPr>
         <p:spPr>
           <a:xfrm>
-            <a:off x="2152033" y="3136998"/>
-            <a:ext cx="988678" cy="724049"/>
+            <a:off x="2152033" y="3136997"/>
+            <a:ext cx="988678" cy="720000"/>
           </a:xfrm>
           <a:prstGeom prst="flowChartMagneticDisk">
             <a:avLst/>
           </a:prstGeom>
+          <a:ln>
+            <a:solidFill>
+              <a:schemeClr val="bg1"/>
+            </a:solidFill>
+            <a:prstDash val="solid"/>
+          </a:ln>
         </p:spPr>
         <p:style>
-          <a:lnRef idx="1">
-            <a:schemeClr val="accent1"/>
+          <a:lnRef idx="2">
+            <a:schemeClr val="accent5">
+              <a:shade val="50000"/>
+            </a:schemeClr>
           </a:lnRef>
-          <a:fillRef idx="2">
-            <a:schemeClr val="accent1"/>
+          <a:fillRef idx="1">
+            <a:schemeClr val="accent5"/>
           </a:fillRef>
-          <a:effectRef idx="1">
-            <a:schemeClr val="accent1"/>
+          <a:effectRef idx="0">
+            <a:schemeClr val="accent5"/>
           </a:effectRef>
           <a:fontRef idx="minor">
-            <a:schemeClr val="dk1"/>
+            <a:schemeClr val="lt1"/>
           </a:fontRef>
         </p:style>
         <p:txBody>
-          <a:bodyPr rtlCol="0" anchor="ctr"/>
-          <a:lstStyle/>
-          <a:p>
-            <a:pPr algn="ctr"/>
-            <a:r>
-              <a:rPr lang="ja-JP" altLang="en-US" sz="1200" dirty="0" smtClean="0"/>
+          <a:bodyPr lIns="91429" tIns="45715" rIns="91429" bIns="45715" rtlCol="0" anchor="ctr"/>
+          <a:lstStyle/>
+          <a:p>
+            <a:pPr algn="ctr" defTabSz="914295"/>
+            <a:r>
+              <a:rPr lang="ja-JP" altLang="en-US" sz="1600" b="1" dirty="0">
+                <a:solidFill>
+                  <a:schemeClr val="lt1"/>
+                </a:solidFill>
+                <a:latin typeface="ＭＳ ゴシック" panose="020B0609070205080204" pitchFamily="49" charset="-128"/>
+                <a:ea typeface="ＭＳ ゴシック" panose="020B0609070205080204" pitchFamily="49" charset="-128"/>
+              </a:rPr>
               <a:t>開発者</a:t>
             </a:r>
             <a:r>
-              <a:rPr lang="en-US" altLang="ja-JP" sz="1200" dirty="0" smtClean="0"/>
+              <a:rPr lang="en-US" altLang="ja-JP" sz="1600" b="1" dirty="0">
+                <a:solidFill>
+                  <a:schemeClr val="lt1"/>
+                </a:solidFill>
+                <a:ea typeface="ＭＳ ゴシック" panose="020B0609070205080204" pitchFamily="49" charset="-128"/>
+              </a:rPr>
               <a:t>A</a:t>
             </a:r>
-            <a:endParaRPr kumimoji="1" lang="en-US" altLang="ja-JP" sz="1200" dirty="0" smtClean="0"/>
           </a:p>
         </p:txBody>
       </p:sp>
@@ -3693,41 +3798,56 @@
         </p:nvSpPr>
         <p:spPr>
           <a:xfrm>
-            <a:off x="2152033" y="4154684"/>
-            <a:ext cx="988678" cy="724049"/>
+            <a:off x="2152033" y="4154683"/>
+            <a:ext cx="988678" cy="720000"/>
           </a:xfrm>
           <a:prstGeom prst="flowChartMagneticDisk">
             <a:avLst/>
           </a:prstGeom>
+          <a:ln>
+            <a:solidFill>
+              <a:schemeClr val="bg1"/>
+            </a:solidFill>
+            <a:prstDash val="solid"/>
+          </a:ln>
         </p:spPr>
         <p:style>
-          <a:lnRef idx="1">
-            <a:schemeClr val="accent1"/>
+          <a:lnRef idx="2">
+            <a:schemeClr val="accent5">
+              <a:shade val="50000"/>
+            </a:schemeClr>
           </a:lnRef>
-          <a:fillRef idx="2">
-            <a:schemeClr val="accent1"/>
+          <a:fillRef idx="1">
+            <a:schemeClr val="accent5"/>
           </a:fillRef>
-          <a:effectRef idx="1">
-            <a:schemeClr val="accent1"/>
+          <a:effectRef idx="0">
+            <a:schemeClr val="accent5"/>
           </a:effectRef>
           <a:fontRef idx="minor">
-            <a:schemeClr val="dk1"/>
+            <a:schemeClr val="lt1"/>
           </a:fontRef>
         </p:style>
         <p:txBody>
-          <a:bodyPr rtlCol="0" anchor="ctr"/>
-          <a:lstStyle/>
-          <a:p>
-            <a:pPr algn="ctr"/>
-            <a:r>
-              <a:rPr lang="ja-JP" altLang="en-US" sz="1200" dirty="0" smtClean="0"/>
+          <a:bodyPr lIns="91429" tIns="45715" rIns="91429" bIns="45715" rtlCol="0" anchor="ctr"/>
+          <a:lstStyle/>
+          <a:p>
+            <a:pPr algn="ctr" defTabSz="914295"/>
+            <a:r>
+              <a:rPr lang="ja-JP" altLang="en-US" sz="1600" b="1" dirty="0">
+                <a:solidFill>
+                  <a:schemeClr val="lt1"/>
+                </a:solidFill>
+                <a:latin typeface="ＭＳ ゴシック" panose="020B0609070205080204" pitchFamily="49" charset="-128"/>
+                <a:ea typeface="ＭＳ ゴシック" panose="020B0609070205080204" pitchFamily="49" charset="-128"/>
+              </a:rPr>
               <a:t>開発者</a:t>
             </a:r>
             <a:r>
-              <a:rPr lang="en-US" altLang="ja-JP" sz="1200" dirty="0" smtClean="0"/>
+              <a:rPr lang="en-US" altLang="ja-JP" sz="1600" b="1" dirty="0">
+                <a:ea typeface="ＭＳ ゴシック" panose="020B0609070205080204" pitchFamily="49" charset="-128"/>
+              </a:rPr>
               <a:t>C</a:t>
             </a:r>
-            <a:endParaRPr kumimoji="1" lang="en-US" altLang="ja-JP" sz="1200" dirty="0" smtClean="0"/>
           </a:p>
         </p:txBody>
       </p:sp>
@@ -3742,13 +3862,17 @@
         </p:nvCxnSpPr>
         <p:spPr>
           <a:xfrm flipV="1">
-            <a:off x="2646372" y="2710905"/>
-            <a:ext cx="1327713" cy="426093"/>
+            <a:off x="2646372" y="2708879"/>
+            <a:ext cx="1327713" cy="428118"/>
           </a:xfrm>
           <a:prstGeom prst="straightConnector1">
             <a:avLst/>
           </a:prstGeom>
-          <a:ln>
+          <a:ln w="31750">
+            <a:solidFill>
+              <a:schemeClr val="tx1"/>
+            </a:solidFill>
+            <a:prstDash val="sysDot"/>
             <a:tailEnd type="triangle" w="lg" len="med"/>
           </a:ln>
         </p:spPr>
@@ -3778,8 +3902,8 @@
         </p:nvCxnSpPr>
         <p:spPr>
           <a:xfrm flipV="1">
-            <a:off x="2646372" y="3861047"/>
-            <a:ext cx="0" cy="293637"/>
+            <a:off x="2646372" y="3856997"/>
+            <a:ext cx="0" cy="297686"/>
           </a:xfrm>
           <a:prstGeom prst="straightConnector1">
             <a:avLst/>
@@ -3817,7 +3941,11 @@
           <a:prstGeom prst="straightConnector1">
             <a:avLst/>
           </a:prstGeom>
-          <a:ln>
+          <a:ln w="31750">
+            <a:solidFill>
+              <a:schemeClr val="tx1"/>
+            </a:solidFill>
+            <a:prstDash val="sysDot"/>
             <a:tailEnd type="triangle" w="lg" len="med"/>
           </a:ln>
         </p:spPr>
@@ -3850,9 +3978,12 @@
           <a:prstGeom prst="straightConnector1">
             <a:avLst/>
           </a:prstGeom>
-          <a:ln>
-            <a:headEnd type="triangle" w="lg" len="med"/>
-            <a:tailEnd type="none"/>
+          <a:ln w="31750">
+            <a:solidFill>
+              <a:schemeClr val="tx1"/>
+            </a:solidFill>
+            <a:prstDash val="sysDot"/>
+            <a:tailEnd type="triangle" w="lg" len="med"/>
           </a:ln>
         </p:spPr>
         <p:style>
@@ -3881,8 +4012,8 @@
         </p:nvCxnSpPr>
         <p:spPr>
           <a:xfrm flipV="1">
-            <a:off x="6290475" y="3861048"/>
-            <a:ext cx="0" cy="293636"/>
+            <a:off x="6290475" y="3856998"/>
+            <a:ext cx="0" cy="297685"/>
           </a:xfrm>
           <a:prstGeom prst="straightConnector1">
             <a:avLst/>
@@ -3914,41 +4045,58 @@
         </p:nvSpPr>
         <p:spPr>
           <a:xfrm>
-            <a:off x="3995242" y="4852091"/>
-            <a:ext cx="988678" cy="724049"/>
+            <a:off x="3995242" y="4852090"/>
+            <a:ext cx="988678" cy="720000"/>
           </a:xfrm>
           <a:prstGeom prst="flowChartMagneticDisk">
             <a:avLst/>
           </a:prstGeom>
+          <a:ln>
+            <a:solidFill>
+              <a:schemeClr val="bg1"/>
+            </a:solidFill>
+            <a:prstDash val="solid"/>
+          </a:ln>
         </p:spPr>
         <p:style>
-          <a:lnRef idx="1">
-            <a:schemeClr val="accent1"/>
+          <a:lnRef idx="2">
+            <a:schemeClr val="accent5">
+              <a:shade val="50000"/>
+            </a:schemeClr>
           </a:lnRef>
-          <a:fillRef idx="2">
-            <a:schemeClr val="accent1"/>
+          <a:fillRef idx="1">
+            <a:schemeClr val="accent5"/>
           </a:fillRef>
-          <a:effectRef idx="1">
-            <a:schemeClr val="accent1"/>
+          <a:effectRef idx="0">
+            <a:schemeClr val="accent5"/>
           </a:effectRef>
           <a:fontRef idx="minor">
-            <a:schemeClr val="dk1"/>
+            <a:schemeClr val="lt1"/>
           </a:fontRef>
         </p:style>
         <p:txBody>
-          <a:bodyPr rtlCol="0" anchor="ctr"/>
-          <a:lstStyle/>
-          <a:p>
-            <a:pPr algn="ctr"/>
-            <a:r>
-              <a:rPr lang="ja-JP" altLang="en-US" sz="1200" dirty="0" smtClean="0"/>
+          <a:bodyPr lIns="91429" tIns="45715" rIns="91429" bIns="45715" rtlCol="0" anchor="ctr"/>
+          <a:lstStyle/>
+          <a:p>
+            <a:pPr algn="ctr" defTabSz="914295"/>
+            <a:r>
+              <a:rPr lang="ja-JP" altLang="en-US" sz="1600" b="1" dirty="0">
+                <a:solidFill>
+                  <a:schemeClr val="lt1"/>
+                </a:solidFill>
+                <a:ea typeface="ＭＳ ゴシック" panose="020B0609070205080204" pitchFamily="49" charset="-128"/>
+              </a:rPr>
               <a:t>開発者</a:t>
             </a:r>
             <a:r>
-              <a:rPr lang="en-US" altLang="ja-JP" sz="1200" dirty="0" smtClean="0"/>
+              <a:rPr lang="en-US" altLang="ja-JP" sz="1600" b="1" dirty="0">
+                <a:solidFill>
+                  <a:schemeClr val="lt1"/>
+                </a:solidFill>
+                <a:ea typeface="ＭＳ ゴシック" panose="020B0609070205080204" pitchFamily="49" charset="-128"/>
+              </a:rPr>
               <a:t>E</a:t>
             </a:r>
-            <a:endParaRPr kumimoji="1" lang="en-US" altLang="ja-JP" sz="1200" dirty="0" smtClean="0"/>
           </a:p>
         </p:txBody>
       </p:sp>
@@ -3966,7 +4114,11 @@
           <a:prstGeom prst="straightConnector1">
             <a:avLst/>
           </a:prstGeom>
-          <a:ln>
+          <a:ln w="31750">
+            <a:solidFill>
+              <a:schemeClr val="tx1"/>
+            </a:solidFill>
+            <a:prstDash val="sysDot"/>
             <a:tailEnd type="triangle" w="lg" len="med"/>
           </a:ln>
         </p:spPr>
@@ -3999,9 +4151,12 @@
           <a:prstGeom prst="straightConnector1">
             <a:avLst/>
           </a:prstGeom>
-          <a:ln>
-            <a:headEnd type="triangle" w="lg" len="med"/>
-            <a:tailEnd type="none"/>
+          <a:ln w="31750">
+            <a:solidFill>
+              <a:schemeClr val="tx1"/>
+            </a:solidFill>
+            <a:prstDash val="sysDot"/>
+            <a:tailEnd type="triangle" w="lg" len="med"/>
           </a:ln>
         </p:spPr>
         <p:style>
@@ -4033,7 +4188,11 @@
           <a:prstGeom prst="straightConnector1">
             <a:avLst/>
           </a:prstGeom>
-          <a:ln>
+          <a:ln w="31750">
+            <a:solidFill>
+              <a:schemeClr val="tx1"/>
+            </a:solidFill>
+            <a:prstDash val="sysDot"/>
             <a:tailEnd type="triangle" w="lg" len="med"/>
           </a:ln>
         </p:spPr>
@@ -4063,13 +4222,17 @@
         </p:nvCxnSpPr>
         <p:spPr>
           <a:xfrm flipH="1" flipV="1">
-            <a:off x="2646372" y="4878733"/>
-            <a:ext cx="1348870" cy="335383"/>
+            <a:off x="2646372" y="4874683"/>
+            <a:ext cx="1348870" cy="337407"/>
           </a:xfrm>
           <a:prstGeom prst="straightConnector1">
             <a:avLst/>
           </a:prstGeom>
-          <a:ln>
+          <a:ln w="31750">
+            <a:solidFill>
+              <a:schemeClr val="tx1"/>
+            </a:solidFill>
+            <a:prstDash val="sysDot"/>
             <a:tailEnd type="triangle" w="lg" len="med"/>
           </a:ln>
         </p:spPr>
@@ -4102,7 +4265,11 @@
           <a:prstGeom prst="straightConnector1">
             <a:avLst/>
           </a:prstGeom>
-          <a:ln>
+          <a:ln w="31750">
+            <a:solidFill>
+              <a:schemeClr val="tx1"/>
+            </a:solidFill>
+            <a:prstDash val="sysDot"/>
             <a:tailEnd type="triangle" w="lg" len="med"/>
           </a:ln>
         </p:spPr>
@@ -4132,13 +4299,17 @@
         </p:nvCxnSpPr>
         <p:spPr>
           <a:xfrm flipV="1">
-            <a:off x="4983920" y="4878733"/>
-            <a:ext cx="1306555" cy="335383"/>
+            <a:off x="4983920" y="4874683"/>
+            <a:ext cx="1306555" cy="337407"/>
           </a:xfrm>
           <a:prstGeom prst="straightConnector1">
             <a:avLst/>
           </a:prstGeom>
-          <a:ln>
+          <a:ln w="31750">
+            <a:solidFill>
+              <a:schemeClr val="tx1"/>
+            </a:solidFill>
+            <a:prstDash val="sysDot"/>
             <a:tailEnd type="triangle" w="lg" len="med"/>
           </a:ln>
         </p:spPr>
@@ -4165,13 +4336,17 @@
         </p:nvCxnSpPr>
         <p:spPr>
           <a:xfrm flipV="1">
-            <a:off x="2901632" y="1697968"/>
+            <a:off x="2916058" y="1697968"/>
             <a:ext cx="0" cy="430287"/>
           </a:xfrm>
           <a:prstGeom prst="straightConnector1">
             <a:avLst/>
           </a:prstGeom>
-          <a:ln>
+          <a:ln w="31750">
+            <a:solidFill>
+              <a:schemeClr val="tx1"/>
+            </a:solidFill>
+            <a:prstDash val="sysDot"/>
             <a:tailEnd type="triangle" w="lg" len="med"/>
           </a:ln>
         </p:spPr>
@@ -4198,7 +4373,7 @@
         </p:nvSpPr>
         <p:spPr>
           <a:xfrm>
-            <a:off x="2354847" y="1464886"/>
+            <a:off x="2369274" y="1451031"/>
             <a:ext cx="1093569" cy="253916"/>
           </a:xfrm>
           <a:prstGeom prst="rect">
@@ -4228,7 +4403,7 @@
         </p:nvSpPr>
         <p:spPr>
           <a:xfrm>
-            <a:off x="2354847" y="2092124"/>
+            <a:off x="2354847" y="2147544"/>
             <a:ext cx="1122423" cy="253916"/>
           </a:xfrm>
           <a:prstGeom prst="rect">

--- a/static/images/git-dvc/repo_net.pptx
+++ b/static/images/git-dvc/repo_net.pptx
@@ -288,7 +288,7 @@
           <a:p>
             <a:fld id="{700A4F2F-7D95-4277-B030-3ABD5ADD5A19}" type="datetimeFigureOut">
               <a:rPr kumimoji="1" lang="ja-JP" altLang="en-US" smtClean="0"/>
-              <a:t>2016/4/17</a:t>
+              <a:t>2016/4/19</a:t>
             </a:fld>
             <a:endParaRPr kumimoji="1" lang="ja-JP" altLang="en-US"/>
           </a:p>
@@ -490,7 +490,7 @@
           <a:p>
             <a:fld id="{700A4F2F-7D95-4277-B030-3ABD5ADD5A19}" type="datetimeFigureOut">
               <a:rPr kumimoji="1" lang="ja-JP" altLang="en-US" smtClean="0"/>
-              <a:t>2016/4/17</a:t>
+              <a:t>2016/4/19</a:t>
             </a:fld>
             <a:endParaRPr kumimoji="1" lang="ja-JP" altLang="en-US"/>
           </a:p>
@@ -702,7 +702,7 @@
           <a:p>
             <a:fld id="{700A4F2F-7D95-4277-B030-3ABD5ADD5A19}" type="datetimeFigureOut">
               <a:rPr kumimoji="1" lang="ja-JP" altLang="en-US" smtClean="0"/>
-              <a:t>2016/4/17</a:t>
+              <a:t>2016/4/19</a:t>
             </a:fld>
             <a:endParaRPr kumimoji="1" lang="ja-JP" altLang="en-US"/>
           </a:p>
@@ -904,7 +904,7 @@
           <a:p>
             <a:fld id="{700A4F2F-7D95-4277-B030-3ABD5ADD5A19}" type="datetimeFigureOut">
               <a:rPr kumimoji="1" lang="ja-JP" altLang="en-US" smtClean="0"/>
-              <a:t>2016/4/17</a:t>
+              <a:t>2016/4/19</a:t>
             </a:fld>
             <a:endParaRPr kumimoji="1" lang="ja-JP" altLang="en-US"/>
           </a:p>
@@ -1150,7 +1150,7 @@
           <a:p>
             <a:fld id="{700A4F2F-7D95-4277-B030-3ABD5ADD5A19}" type="datetimeFigureOut">
               <a:rPr kumimoji="1" lang="ja-JP" altLang="en-US" smtClean="0"/>
-              <a:t>2016/4/17</a:t>
+              <a:t>2016/4/19</a:t>
             </a:fld>
             <a:endParaRPr kumimoji="1" lang="ja-JP" altLang="en-US"/>
           </a:p>
@@ -1502,7 +1502,7 @@
           <a:p>
             <a:fld id="{700A4F2F-7D95-4277-B030-3ABD5ADD5A19}" type="datetimeFigureOut">
               <a:rPr kumimoji="1" lang="ja-JP" altLang="en-US" smtClean="0"/>
-              <a:t>2016/4/17</a:t>
+              <a:t>2016/4/19</a:t>
             </a:fld>
             <a:endParaRPr kumimoji="1" lang="ja-JP" altLang="en-US"/>
           </a:p>
@@ -1988,7 +1988,7 @@
           <a:p>
             <a:fld id="{700A4F2F-7D95-4277-B030-3ABD5ADD5A19}" type="datetimeFigureOut">
               <a:rPr kumimoji="1" lang="ja-JP" altLang="en-US" smtClean="0"/>
-              <a:t>2016/4/17</a:t>
+              <a:t>2016/4/19</a:t>
             </a:fld>
             <a:endParaRPr kumimoji="1" lang="ja-JP" altLang="en-US"/>
           </a:p>
@@ -2106,7 +2106,7 @@
           <a:p>
             <a:fld id="{700A4F2F-7D95-4277-B030-3ABD5ADD5A19}" type="datetimeFigureOut">
               <a:rPr kumimoji="1" lang="ja-JP" altLang="en-US" smtClean="0"/>
-              <a:t>2016/4/17</a:t>
+              <a:t>2016/4/19</a:t>
             </a:fld>
             <a:endParaRPr kumimoji="1" lang="ja-JP" altLang="en-US"/>
           </a:p>
@@ -2201,7 +2201,7 @@
           <a:p>
             <a:fld id="{700A4F2F-7D95-4277-B030-3ABD5ADD5A19}" type="datetimeFigureOut">
               <a:rPr kumimoji="1" lang="ja-JP" altLang="en-US" smtClean="0"/>
-              <a:t>2016/4/17</a:t>
+              <a:t>2016/4/19</a:t>
             </a:fld>
             <a:endParaRPr kumimoji="1" lang="ja-JP" altLang="en-US"/>
           </a:p>
@@ -2510,7 +2510,7 @@
           <a:p>
             <a:fld id="{700A4F2F-7D95-4277-B030-3ABD5ADD5A19}" type="datetimeFigureOut">
               <a:rPr kumimoji="1" lang="ja-JP" altLang="en-US" smtClean="0"/>
-              <a:t>2016/4/17</a:t>
+              <a:t>2016/4/19</a:t>
             </a:fld>
             <a:endParaRPr kumimoji="1" lang="ja-JP" altLang="en-US"/>
           </a:p>
@@ -2763,7 +2763,7 @@
           <a:p>
             <a:fld id="{700A4F2F-7D95-4277-B030-3ABD5ADD5A19}" type="datetimeFigureOut">
               <a:rPr kumimoji="1" lang="ja-JP" altLang="en-US" smtClean="0"/>
-              <a:t>2016/4/17</a:t>
+              <a:t>2016/4/19</a:t>
             </a:fld>
             <a:endParaRPr kumimoji="1" lang="ja-JP" altLang="en-US"/>
           </a:p>
@@ -3008,7 +3008,7 @@
           <a:p>
             <a:fld id="{700A4F2F-7D95-4277-B030-3ABD5ADD5A19}" type="datetimeFigureOut">
               <a:rPr kumimoji="1" lang="ja-JP" altLang="en-US" smtClean="0"/>
-              <a:t>2016/4/17</a:t>
+              <a:t>2016/4/19</a:t>
             </a:fld>
             <a:endParaRPr kumimoji="1" lang="ja-JP" altLang="en-US"/>
           </a:p>
@@ -3908,7 +3908,11 @@
           <a:prstGeom prst="straightConnector1">
             <a:avLst/>
           </a:prstGeom>
-          <a:ln>
+          <a:ln w="31750">
+            <a:solidFill>
+              <a:schemeClr val="tx1"/>
+            </a:solidFill>
+            <a:prstDash val="sysDot"/>
             <a:tailEnd type="triangle" w="lg" len="med"/>
           </a:ln>
         </p:spPr>
@@ -3983,7 +3987,8 @@
               <a:schemeClr val="tx1"/>
             </a:solidFill>
             <a:prstDash val="sysDot"/>
-            <a:tailEnd type="triangle" w="lg" len="med"/>
+            <a:headEnd type="triangle" w="lg" len="med"/>
+            <a:tailEnd type="none" w="lg" len="med"/>
           </a:ln>
         </p:spPr>
         <p:style>
@@ -4018,7 +4023,11 @@
           <a:prstGeom prst="straightConnector1">
             <a:avLst/>
           </a:prstGeom>
-          <a:ln>
+          <a:ln w="31750">
+            <a:solidFill>
+              <a:schemeClr val="tx1"/>
+            </a:solidFill>
+            <a:prstDash val="sysDot"/>
             <a:tailEnd type="triangle" w="lg" len="med"/>
           </a:ln>
         </p:spPr>
@@ -4156,7 +4165,8 @@
               <a:schemeClr val="tx1"/>
             </a:solidFill>
             <a:prstDash val="sysDot"/>
-            <a:tailEnd type="triangle" w="lg" len="med"/>
+            <a:headEnd type="triangle" w="lg" len="med"/>
+            <a:tailEnd type="none" w="lg" len="med"/>
           </a:ln>
         </p:spPr>
         <p:style>
